--- a/Examples/Data/Charts/DoughnutHoleSize_out.pptx
+++ b/Examples/Data/Charts/DoughnutHoleSize_out.pptx
@@ -1,6 +1,6 @@
 
 <file path=ppt/presentation.xml><?xml version="1.0" encoding="utf-8"?>
-<!--Generated by Aspose.Slides for .NET 19.6-->
+<!--Generated by Aspose.Slides for .NET 21.12-->
 <p:presentation xmlns:r="http://schemas.openxmlformats.org/officeDocument/2006/relationships" xmlns:a="http://schemas.openxmlformats.org/drawingml/2006/main" xmlns:p="http://schemas.openxmlformats.org/presentationml/2006/main" saveSubsetFonts="1">
   <p:sldMasterIdLst>
     <p:sldMasterId id="2147483648" r:id="rId1"/>
@@ -112,7 +112,7 @@
 </file>
 
 <file path=ppt/charts/chart1.xml><?xml version="1.0" encoding="utf-8"?>
-<c:chartSpace xmlns:a="http://schemas.openxmlformats.org/drawingml/2006/main" xmlns:r="http://schemas.openxmlformats.org/officeDocument/2006/relationships" xmlns:c="http://schemas.openxmlformats.org/drawingml/2006/chart">
+<c:chartSpace xmlns:a="http://schemas.openxmlformats.org/drawingml/2006/main" xmlns:r="http://schemas.openxmlformats.org/officeDocument/2006/relationships" xmlns:m="http://schemas.openxmlformats.org/officeDocument/2006/math" xmlns:w="http://schemas.openxmlformats.org/wordprocessingml/2006/main" xmlns:wp="http://schemas.openxmlformats.org/drawingml/2006/wordprocessingDrawing" xmlns:a14="http://schemas.microsoft.com/office/drawing/2010/main" xmlns:c="http://schemas.openxmlformats.org/drawingml/2006/chart">
   <c:date1904 val="0"/>
   <c:lang val="ru-RU"/>
   <c:roundedCorners val="0"/>
@@ -223,11 +223,11 @@
 </file>
 
 <file path=ppt/slideLayouts/slideLayout1.xml><?xml version="1.0" encoding="utf-8"?>
-<p:sldLayout xmlns:a="http://schemas.openxmlformats.org/drawingml/2006/main" xmlns:r="http://schemas.openxmlformats.org/officeDocument/2006/relationships" xmlns:p14="http://schemas.microsoft.com/office/powerpoint/2010/main" xmlns:a14="http://schemas.microsoft.com/office/drawing/2010/main" xmlns:p15="http://schemas.microsoft.com/office/powerpoint/2012/main" xmlns:p159="http://schemas.microsoft.com/office/powerpoint/2015/09/main" xmlns:p="http://schemas.openxmlformats.org/presentationml/2006/main" type="title" preserve="1">
+<p:sldLayout xmlns:a="http://schemas.openxmlformats.org/drawingml/2006/main" xmlns:r="http://schemas.openxmlformats.org/officeDocument/2006/relationships" xmlns:m="http://schemas.openxmlformats.org/officeDocument/2006/math" xmlns:w="http://schemas.openxmlformats.org/wordprocessingml/2006/main" xmlns:wp="http://schemas.openxmlformats.org/drawingml/2006/wordprocessingDrawing" xmlns:a14="http://schemas.microsoft.com/office/drawing/2010/main" xmlns:mc="http://schemas.openxmlformats.org/markup-compatibility/2006" xmlns:p14="http://schemas.microsoft.com/office/powerpoint/2010/main" xmlns:p15="http://schemas.microsoft.com/office/powerpoint/2012/main" xmlns:p159="http://schemas.microsoft.com/office/powerpoint/2015/09/main" xmlns:p="http://schemas.openxmlformats.org/presentationml/2006/main" type="title" preserve="1">
   <p:cSld name="Title Slide">
     <p:spTree>
       <p:nvGrpSpPr>
-        <p:cNvPr id="1" name=""/>
+        <p:cNvPr id="1" name="" title=""/>
         <p:cNvGrpSpPr/>
         <p:nvPr/>
       </p:nvGrpSpPr>
@@ -239,7 +239,7 @@
       </p:grpSpPr>
       <p:sp>
         <p:nvSpPr>
-          <p:cNvPr id="2" name="Title 1"/>
+          <p:cNvPr id="2" name="Title 1" title=""/>
           <p:cNvSpPr>
             <a:spLocks noGrp="1"/>
           </p:cNvSpPr>
@@ -262,7 +262,7 @@
       </p:sp>
       <p:sp>
         <p:nvSpPr>
-          <p:cNvPr id="3" name="Subtitle 2"/>
+          <p:cNvPr id="3" name="Subtitle 2" title=""/>
           <p:cNvSpPr>
             <a:spLocks noGrp="1"/>
           </p:cNvSpPr>
@@ -376,7 +376,7 @@
       </p:sp>
       <p:sp>
         <p:nvSpPr>
-          <p:cNvPr id="4" name="Date Placeholder 3"/>
+          <p:cNvPr id="4" name="Date Placeholder 3" title=""/>
           <p:cNvSpPr>
             <a:spLocks noGrp="1"/>
           </p:cNvSpPr>
@@ -389,7 +389,7 @@
           <a:bodyPr/>
           <a:lstStyle/>
           <a:p>
-            <a:fld id="{1AE89ECC-7F87-4E09-BD59-4611A2B5C575}" type="datetimeFigureOut">
+            <a:fld id="{7A6FFE53-6177-412B-AD82-2DB52222232F}" type="datetimeFigureOut">
               <a:rPr lang="en-US" smtClean="0"/>
               <a:t>11/7/2009</a:t>
             </a:fld>
@@ -399,7 +399,7 @@
       </p:sp>
       <p:sp>
         <p:nvSpPr>
-          <p:cNvPr id="5" name="Footer Placeholder 4"/>
+          <p:cNvPr id="5" name="Footer Placeholder 4" title=""/>
           <p:cNvSpPr>
             <a:spLocks noGrp="1"/>
           </p:cNvSpPr>
@@ -418,7 +418,7 @@
       </p:sp>
       <p:sp>
         <p:nvSpPr>
-          <p:cNvPr id="6" name="Slide Number Placeholder 5"/>
+          <p:cNvPr id="6" name="Slide Number Placeholder 5" title=""/>
           <p:cNvSpPr>
             <a:spLocks noGrp="1"/>
           </p:cNvSpPr>
@@ -450,11 +450,11 @@
 </file>
 
 <file path=ppt/slideLayouts/slideLayout10.xml><?xml version="1.0" encoding="utf-8"?>
-<p:sldLayout xmlns:a="http://schemas.openxmlformats.org/drawingml/2006/main" xmlns:r="http://schemas.openxmlformats.org/officeDocument/2006/relationships" xmlns:p14="http://schemas.microsoft.com/office/powerpoint/2010/main" xmlns:a14="http://schemas.microsoft.com/office/drawing/2010/main" xmlns:p15="http://schemas.microsoft.com/office/powerpoint/2012/main" xmlns:p159="http://schemas.microsoft.com/office/powerpoint/2015/09/main" xmlns:p="http://schemas.openxmlformats.org/presentationml/2006/main" type="vertTx" preserve="1">
+<p:sldLayout xmlns:a="http://schemas.openxmlformats.org/drawingml/2006/main" xmlns:r="http://schemas.openxmlformats.org/officeDocument/2006/relationships" xmlns:m="http://schemas.openxmlformats.org/officeDocument/2006/math" xmlns:w="http://schemas.openxmlformats.org/wordprocessingml/2006/main" xmlns:wp="http://schemas.openxmlformats.org/drawingml/2006/wordprocessingDrawing" xmlns:a14="http://schemas.microsoft.com/office/drawing/2010/main" xmlns:mc="http://schemas.openxmlformats.org/markup-compatibility/2006" xmlns:p14="http://schemas.microsoft.com/office/powerpoint/2010/main" xmlns:p15="http://schemas.microsoft.com/office/powerpoint/2012/main" xmlns:p159="http://schemas.microsoft.com/office/powerpoint/2015/09/main" xmlns:p="http://schemas.openxmlformats.org/presentationml/2006/main" type="vertTx" preserve="1">
   <p:cSld name="Title and Vertical Text">
     <p:spTree>
       <p:nvGrpSpPr>
-        <p:cNvPr id="1" name=""/>
+        <p:cNvPr id="1" name="" title=""/>
         <p:cNvGrpSpPr/>
         <p:nvPr/>
       </p:nvGrpSpPr>
@@ -466,7 +466,7 @@
       </p:grpSpPr>
       <p:sp>
         <p:nvSpPr>
-          <p:cNvPr id="2" name="Title 1"/>
+          <p:cNvPr id="2" name="Title 1" title=""/>
           <p:cNvSpPr>
             <a:spLocks noGrp="1"/>
           </p:cNvSpPr>
@@ -489,7 +489,7 @@
       </p:sp>
       <p:sp>
         <p:nvSpPr>
-          <p:cNvPr id="3" name="Vertical Text Placeholder 2"/>
+          <p:cNvPr id="3" name="Vertical Text Placeholder 2" title=""/>
           <p:cNvSpPr>
             <a:spLocks noGrp="1"/>
           </p:cNvSpPr>
@@ -540,7 +540,7 @@
       </p:sp>
       <p:sp>
         <p:nvSpPr>
-          <p:cNvPr id="4" name="Date Placeholder 3"/>
+          <p:cNvPr id="4" name="Date Placeholder 3" title=""/>
           <p:cNvSpPr>
             <a:spLocks noGrp="1"/>
           </p:cNvSpPr>
@@ -553,7 +553,7 @@
           <a:bodyPr/>
           <a:lstStyle/>
           <a:p>
-            <a:fld id="{EB7229CE-AF46-45AE-BCD4-932DDE84C49F}" type="datetimeFigureOut">
+            <a:fld id="{488C8485-0162-4ADE-AEEC-9617FDC90240}" type="datetimeFigureOut">
               <a:rPr lang="en-US" smtClean="0"/>
               <a:t>11/7/2009</a:t>
             </a:fld>
@@ -563,7 +563,7 @@
       </p:sp>
       <p:sp>
         <p:nvSpPr>
-          <p:cNvPr id="5" name="Footer Placeholder 4"/>
+          <p:cNvPr id="5" name="Footer Placeholder 4" title=""/>
           <p:cNvSpPr>
             <a:spLocks noGrp="1"/>
           </p:cNvSpPr>
@@ -582,7 +582,7 @@
       </p:sp>
       <p:sp>
         <p:nvSpPr>
-          <p:cNvPr id="6" name="Slide Number Placeholder 5"/>
+          <p:cNvPr id="6" name="Slide Number Placeholder 5" title=""/>
           <p:cNvSpPr>
             <a:spLocks noGrp="1"/>
           </p:cNvSpPr>
@@ -614,11 +614,11 @@
 </file>
 
 <file path=ppt/slideLayouts/slideLayout11.xml><?xml version="1.0" encoding="utf-8"?>
-<p:sldLayout xmlns:a="http://schemas.openxmlformats.org/drawingml/2006/main" xmlns:r="http://schemas.openxmlformats.org/officeDocument/2006/relationships" xmlns:p14="http://schemas.microsoft.com/office/powerpoint/2010/main" xmlns:a14="http://schemas.microsoft.com/office/drawing/2010/main" xmlns:p15="http://schemas.microsoft.com/office/powerpoint/2012/main" xmlns:p159="http://schemas.microsoft.com/office/powerpoint/2015/09/main" xmlns:p="http://schemas.openxmlformats.org/presentationml/2006/main" type="vertTitleAndTx" preserve="1">
+<p:sldLayout xmlns:a="http://schemas.openxmlformats.org/drawingml/2006/main" xmlns:r="http://schemas.openxmlformats.org/officeDocument/2006/relationships" xmlns:m="http://schemas.openxmlformats.org/officeDocument/2006/math" xmlns:w="http://schemas.openxmlformats.org/wordprocessingml/2006/main" xmlns:wp="http://schemas.openxmlformats.org/drawingml/2006/wordprocessingDrawing" xmlns:a14="http://schemas.microsoft.com/office/drawing/2010/main" xmlns:mc="http://schemas.openxmlformats.org/markup-compatibility/2006" xmlns:p14="http://schemas.microsoft.com/office/powerpoint/2010/main" xmlns:p15="http://schemas.microsoft.com/office/powerpoint/2012/main" xmlns:p159="http://schemas.microsoft.com/office/powerpoint/2015/09/main" xmlns:p="http://schemas.openxmlformats.org/presentationml/2006/main" type="vertTitleAndTx" preserve="1">
   <p:cSld name="Vertical Title and Text">
     <p:spTree>
       <p:nvGrpSpPr>
-        <p:cNvPr id="1" name=""/>
+        <p:cNvPr id="1" name="" title=""/>
         <p:cNvGrpSpPr/>
         <p:nvPr/>
       </p:nvGrpSpPr>
@@ -630,7 +630,7 @@
       </p:grpSpPr>
       <p:sp>
         <p:nvSpPr>
-          <p:cNvPr id="2" name="Vertical Title 1"/>
+          <p:cNvPr id="2" name="Vertical Title 1" title=""/>
           <p:cNvSpPr>
             <a:spLocks noGrp="1"/>
           </p:cNvSpPr>
@@ -653,7 +653,7 @@
       </p:sp>
       <p:sp>
         <p:nvSpPr>
-          <p:cNvPr id="3" name="Vertical Text Placeholder 2"/>
+          <p:cNvPr id="3" name="Vertical Text Placeholder 2" title=""/>
           <p:cNvSpPr>
             <a:spLocks noGrp="1"/>
           </p:cNvSpPr>
@@ -704,7 +704,7 @@
       </p:sp>
       <p:sp>
         <p:nvSpPr>
-          <p:cNvPr id="4" name="Date Placeholder 3"/>
+          <p:cNvPr id="4" name="Date Placeholder 3" title=""/>
           <p:cNvSpPr>
             <a:spLocks noGrp="1"/>
           </p:cNvSpPr>
@@ -717,7 +717,7 @@
           <a:bodyPr/>
           <a:lstStyle/>
           <a:p>
-            <a:fld id="{B14C29DF-2C02-431D-8B28-D257CFF7C6BE}" type="datetimeFigureOut">
+            <a:fld id="{1AFA3FCA-7FDF-45B4-BCA4-87F4F4DD7D89}" type="datetimeFigureOut">
               <a:rPr lang="en-US" smtClean="0"/>
               <a:t>11/7/2009</a:t>
             </a:fld>
@@ -727,7 +727,7 @@
       </p:sp>
       <p:sp>
         <p:nvSpPr>
-          <p:cNvPr id="5" name="Footer Placeholder 4"/>
+          <p:cNvPr id="5" name="Footer Placeholder 4" title=""/>
           <p:cNvSpPr>
             <a:spLocks noGrp="1"/>
           </p:cNvSpPr>
@@ -746,7 +746,7 @@
       </p:sp>
       <p:sp>
         <p:nvSpPr>
-          <p:cNvPr id="6" name="Slide Number Placeholder 5"/>
+          <p:cNvPr id="6" name="Slide Number Placeholder 5" title=""/>
           <p:cNvSpPr>
             <a:spLocks noGrp="1"/>
           </p:cNvSpPr>
@@ -778,11 +778,11 @@
 </file>
 
 <file path=ppt/slideLayouts/slideLayout2.xml><?xml version="1.0" encoding="utf-8"?>
-<p:sldLayout xmlns:a="http://schemas.openxmlformats.org/drawingml/2006/main" xmlns:r="http://schemas.openxmlformats.org/officeDocument/2006/relationships" xmlns:p14="http://schemas.microsoft.com/office/powerpoint/2010/main" xmlns:a14="http://schemas.microsoft.com/office/drawing/2010/main" xmlns:p15="http://schemas.microsoft.com/office/powerpoint/2012/main" xmlns:p159="http://schemas.microsoft.com/office/powerpoint/2015/09/main" xmlns:p="http://schemas.openxmlformats.org/presentationml/2006/main" type="obj" preserve="1">
+<p:sldLayout xmlns:a="http://schemas.openxmlformats.org/drawingml/2006/main" xmlns:r="http://schemas.openxmlformats.org/officeDocument/2006/relationships" xmlns:m="http://schemas.openxmlformats.org/officeDocument/2006/math" xmlns:w="http://schemas.openxmlformats.org/wordprocessingml/2006/main" xmlns:wp="http://schemas.openxmlformats.org/drawingml/2006/wordprocessingDrawing" xmlns:a14="http://schemas.microsoft.com/office/drawing/2010/main" xmlns:mc="http://schemas.openxmlformats.org/markup-compatibility/2006" xmlns:p14="http://schemas.microsoft.com/office/powerpoint/2010/main" xmlns:p15="http://schemas.microsoft.com/office/powerpoint/2012/main" xmlns:p159="http://schemas.microsoft.com/office/powerpoint/2015/09/main" xmlns:p="http://schemas.openxmlformats.org/presentationml/2006/main" type="obj" preserve="1">
   <p:cSld name="Title and Content">
     <p:spTree>
       <p:nvGrpSpPr>
-        <p:cNvPr id="1" name=""/>
+        <p:cNvPr id="1" name="" title=""/>
         <p:cNvGrpSpPr/>
         <p:nvPr/>
       </p:nvGrpSpPr>
@@ -794,7 +794,7 @@
       </p:grpSpPr>
       <p:sp>
         <p:nvSpPr>
-          <p:cNvPr id="2" name="Title 1"/>
+          <p:cNvPr id="2" name="Title 1" title=""/>
           <p:cNvSpPr>
             <a:spLocks noGrp="1"/>
           </p:cNvSpPr>
@@ -817,7 +817,7 @@
       </p:sp>
       <p:sp>
         <p:nvSpPr>
-          <p:cNvPr id="3" name="Content Placeholder 2"/>
+          <p:cNvPr id="3" name="Content Placeholder 2" title=""/>
           <p:cNvSpPr>
             <a:spLocks noGrp="1"/>
           </p:cNvSpPr>
@@ -868,7 +868,7 @@
       </p:sp>
       <p:sp>
         <p:nvSpPr>
-          <p:cNvPr id="4" name="Date Placeholder 3"/>
+          <p:cNvPr id="4" name="Date Placeholder 3" title=""/>
           <p:cNvSpPr>
             <a:spLocks noGrp="1"/>
           </p:cNvSpPr>
@@ -881,7 +881,7 @@
           <a:bodyPr/>
           <a:lstStyle/>
           <a:p>
-            <a:fld id="{70053FA9-F4DA-47C6-878D-86CC9872EDB5}" type="datetimeFigureOut">
+            <a:fld id="{E0A36206-8F72-474C-9054-459A53526B5B}" type="datetimeFigureOut">
               <a:rPr lang="en-US" smtClean="0"/>
               <a:t>11/7/2009</a:t>
             </a:fld>
@@ -891,7 +891,7 @@
       </p:sp>
       <p:sp>
         <p:nvSpPr>
-          <p:cNvPr id="5" name="Footer Placeholder 4"/>
+          <p:cNvPr id="5" name="Footer Placeholder 4" title=""/>
           <p:cNvSpPr>
             <a:spLocks noGrp="1"/>
           </p:cNvSpPr>
@@ -910,7 +910,7 @@
       </p:sp>
       <p:sp>
         <p:nvSpPr>
-          <p:cNvPr id="6" name="Slide Number Placeholder 5"/>
+          <p:cNvPr id="6" name="Slide Number Placeholder 5" title=""/>
           <p:cNvSpPr>
             <a:spLocks noGrp="1"/>
           </p:cNvSpPr>
@@ -942,11 +942,11 @@
 </file>
 
 <file path=ppt/slideLayouts/slideLayout3.xml><?xml version="1.0" encoding="utf-8"?>
-<p:sldLayout xmlns:a="http://schemas.openxmlformats.org/drawingml/2006/main" xmlns:r="http://schemas.openxmlformats.org/officeDocument/2006/relationships" xmlns:p14="http://schemas.microsoft.com/office/powerpoint/2010/main" xmlns:a14="http://schemas.microsoft.com/office/drawing/2010/main" xmlns:p15="http://schemas.microsoft.com/office/powerpoint/2012/main" xmlns:p159="http://schemas.microsoft.com/office/powerpoint/2015/09/main" xmlns:p="http://schemas.openxmlformats.org/presentationml/2006/main" type="secHead" preserve="1">
+<p:sldLayout xmlns:a="http://schemas.openxmlformats.org/drawingml/2006/main" xmlns:r="http://schemas.openxmlformats.org/officeDocument/2006/relationships" xmlns:m="http://schemas.openxmlformats.org/officeDocument/2006/math" xmlns:w="http://schemas.openxmlformats.org/wordprocessingml/2006/main" xmlns:wp="http://schemas.openxmlformats.org/drawingml/2006/wordprocessingDrawing" xmlns:a14="http://schemas.microsoft.com/office/drawing/2010/main" xmlns:mc="http://schemas.openxmlformats.org/markup-compatibility/2006" xmlns:p14="http://schemas.microsoft.com/office/powerpoint/2010/main" xmlns:p15="http://schemas.microsoft.com/office/powerpoint/2012/main" xmlns:p159="http://schemas.microsoft.com/office/powerpoint/2015/09/main" xmlns:p="http://schemas.openxmlformats.org/presentationml/2006/main" type="secHead" preserve="1">
   <p:cSld name="Section Header">
     <p:spTree>
       <p:nvGrpSpPr>
-        <p:cNvPr id="1" name=""/>
+        <p:cNvPr id="1" name="" title=""/>
         <p:cNvGrpSpPr/>
         <p:nvPr/>
       </p:nvGrpSpPr>
@@ -958,7 +958,7 @@
       </p:grpSpPr>
       <p:sp>
         <p:nvSpPr>
-          <p:cNvPr id="2" name="Title 1"/>
+          <p:cNvPr id="2" name="Title 1" title=""/>
           <p:cNvSpPr>
             <a:spLocks noGrp="1"/>
           </p:cNvSpPr>
@@ -985,7 +985,7 @@
       </p:sp>
       <p:sp>
         <p:nvSpPr>
-          <p:cNvPr id="3" name="Text Placeholder 2"/>
+          <p:cNvPr id="3" name="Text Placeholder 2" title=""/>
           <p:cNvSpPr>
             <a:spLocks noGrp="1"/>
           </p:cNvSpPr>
@@ -1098,7 +1098,7 @@
       </p:sp>
       <p:sp>
         <p:nvSpPr>
-          <p:cNvPr id="4" name="Date Placeholder 3"/>
+          <p:cNvPr id="4" name="Date Placeholder 3" title=""/>
           <p:cNvSpPr>
             <a:spLocks noGrp="1"/>
           </p:cNvSpPr>
@@ -1111,7 +1111,7 @@
           <a:bodyPr/>
           <a:lstStyle/>
           <a:p>
-            <a:fld id="{1E1963EA-CBB4-43B3-8B22-D785786B6411}" type="datetimeFigureOut">
+            <a:fld id="{AF0BA588-D5DB-416D-A031-B072C9AC3E14}" type="datetimeFigureOut">
               <a:rPr lang="en-US" smtClean="0"/>
               <a:t>11/7/2009</a:t>
             </a:fld>
@@ -1121,7 +1121,7 @@
       </p:sp>
       <p:sp>
         <p:nvSpPr>
-          <p:cNvPr id="5" name="Footer Placeholder 4"/>
+          <p:cNvPr id="5" name="Footer Placeholder 4" title=""/>
           <p:cNvSpPr>
             <a:spLocks noGrp="1"/>
           </p:cNvSpPr>
@@ -1140,7 +1140,7 @@
       </p:sp>
       <p:sp>
         <p:nvSpPr>
-          <p:cNvPr id="6" name="Slide Number Placeholder 5"/>
+          <p:cNvPr id="6" name="Slide Number Placeholder 5" title=""/>
           <p:cNvSpPr>
             <a:spLocks noGrp="1"/>
           </p:cNvSpPr>
@@ -1172,11 +1172,11 @@
 </file>
 
 <file path=ppt/slideLayouts/slideLayout4.xml><?xml version="1.0" encoding="utf-8"?>
-<p:sldLayout xmlns:a="http://schemas.openxmlformats.org/drawingml/2006/main" xmlns:r="http://schemas.openxmlformats.org/officeDocument/2006/relationships" xmlns:p14="http://schemas.microsoft.com/office/powerpoint/2010/main" xmlns:a14="http://schemas.microsoft.com/office/drawing/2010/main" xmlns:p15="http://schemas.microsoft.com/office/powerpoint/2012/main" xmlns:p159="http://schemas.microsoft.com/office/powerpoint/2015/09/main" xmlns:p="http://schemas.openxmlformats.org/presentationml/2006/main" type="twoObj" preserve="1">
+<p:sldLayout xmlns:a="http://schemas.openxmlformats.org/drawingml/2006/main" xmlns:r="http://schemas.openxmlformats.org/officeDocument/2006/relationships" xmlns:m="http://schemas.openxmlformats.org/officeDocument/2006/math" xmlns:w="http://schemas.openxmlformats.org/wordprocessingml/2006/main" xmlns:wp="http://schemas.openxmlformats.org/drawingml/2006/wordprocessingDrawing" xmlns:a14="http://schemas.microsoft.com/office/drawing/2010/main" xmlns:mc="http://schemas.openxmlformats.org/markup-compatibility/2006" xmlns:p14="http://schemas.microsoft.com/office/powerpoint/2010/main" xmlns:p15="http://schemas.microsoft.com/office/powerpoint/2012/main" xmlns:p159="http://schemas.microsoft.com/office/powerpoint/2015/09/main" xmlns:p="http://schemas.openxmlformats.org/presentationml/2006/main" type="twoObj" preserve="1">
   <p:cSld name="Two Content">
     <p:spTree>
       <p:nvGrpSpPr>
-        <p:cNvPr id="1" name=""/>
+        <p:cNvPr id="1" name="" title=""/>
         <p:cNvGrpSpPr/>
         <p:nvPr/>
       </p:nvGrpSpPr>
@@ -1188,7 +1188,7 @@
       </p:grpSpPr>
       <p:sp>
         <p:nvSpPr>
-          <p:cNvPr id="2" name="Title 1"/>
+          <p:cNvPr id="2" name="Title 1" title=""/>
           <p:cNvSpPr>
             <a:spLocks noGrp="1"/>
           </p:cNvSpPr>
@@ -1211,7 +1211,7 @@
       </p:sp>
       <p:sp>
         <p:nvSpPr>
-          <p:cNvPr id="3" name="Content Placeholder 2"/>
+          <p:cNvPr id="3" name="Content Placeholder 2" title=""/>
           <p:cNvSpPr>
             <a:spLocks noGrp="1"/>
           </p:cNvSpPr>
@@ -1290,7 +1290,7 @@
       </p:sp>
       <p:sp>
         <p:nvSpPr>
-          <p:cNvPr id="4" name="Content Placeholder 3"/>
+          <p:cNvPr id="4" name="Content Placeholder 3" title=""/>
           <p:cNvSpPr>
             <a:spLocks noGrp="1"/>
           </p:cNvSpPr>
@@ -1369,7 +1369,7 @@
       </p:sp>
       <p:sp>
         <p:nvSpPr>
-          <p:cNvPr id="5" name="Date Placeholder 4"/>
+          <p:cNvPr id="5" name="Date Placeholder 4" title=""/>
           <p:cNvSpPr>
             <a:spLocks noGrp="1"/>
           </p:cNvSpPr>
@@ -1382,7 +1382,7 @@
           <a:bodyPr/>
           <a:lstStyle/>
           <a:p>
-            <a:fld id="{CB8978D6-4B47-4FE5-B0E7-812AF4DFBF90}" type="datetimeFigureOut">
+            <a:fld id="{C1781410-1E5D-4BF6-AF21-FA70E747F148}" type="datetimeFigureOut">
               <a:rPr lang="en-US" smtClean="0"/>
               <a:t>11/7/2009</a:t>
             </a:fld>
@@ -1392,7 +1392,7 @@
       </p:sp>
       <p:sp>
         <p:nvSpPr>
-          <p:cNvPr id="6" name="Footer Placeholder 5"/>
+          <p:cNvPr id="6" name="Footer Placeholder 5" title=""/>
           <p:cNvSpPr>
             <a:spLocks noGrp="1"/>
           </p:cNvSpPr>
@@ -1411,7 +1411,7 @@
       </p:sp>
       <p:sp>
         <p:nvSpPr>
-          <p:cNvPr id="7" name="Slide Number Placeholder 6"/>
+          <p:cNvPr id="7" name="Slide Number Placeholder 6" title=""/>
           <p:cNvSpPr>
             <a:spLocks noGrp="1"/>
           </p:cNvSpPr>
@@ -1443,11 +1443,11 @@
 </file>
 
 <file path=ppt/slideLayouts/slideLayout5.xml><?xml version="1.0" encoding="utf-8"?>
-<p:sldLayout xmlns:a="http://schemas.openxmlformats.org/drawingml/2006/main" xmlns:r="http://schemas.openxmlformats.org/officeDocument/2006/relationships" xmlns:p14="http://schemas.microsoft.com/office/powerpoint/2010/main" xmlns:a14="http://schemas.microsoft.com/office/drawing/2010/main" xmlns:p15="http://schemas.microsoft.com/office/powerpoint/2012/main" xmlns:p159="http://schemas.microsoft.com/office/powerpoint/2015/09/main" xmlns:p="http://schemas.openxmlformats.org/presentationml/2006/main" type="twoTxTwoObj" preserve="1">
+<p:sldLayout xmlns:a="http://schemas.openxmlformats.org/drawingml/2006/main" xmlns:r="http://schemas.openxmlformats.org/officeDocument/2006/relationships" xmlns:m="http://schemas.openxmlformats.org/officeDocument/2006/math" xmlns:w="http://schemas.openxmlformats.org/wordprocessingml/2006/main" xmlns:wp="http://schemas.openxmlformats.org/drawingml/2006/wordprocessingDrawing" xmlns:a14="http://schemas.microsoft.com/office/drawing/2010/main" xmlns:mc="http://schemas.openxmlformats.org/markup-compatibility/2006" xmlns:p14="http://schemas.microsoft.com/office/powerpoint/2010/main" xmlns:p15="http://schemas.microsoft.com/office/powerpoint/2012/main" xmlns:p159="http://schemas.microsoft.com/office/powerpoint/2015/09/main" xmlns:p="http://schemas.openxmlformats.org/presentationml/2006/main" type="twoTxTwoObj" preserve="1">
   <p:cSld name="Comparison">
     <p:spTree>
       <p:nvGrpSpPr>
-        <p:cNvPr id="1" name=""/>
+        <p:cNvPr id="1" name="" title=""/>
         <p:cNvGrpSpPr/>
         <p:nvPr/>
       </p:nvGrpSpPr>
@@ -1459,7 +1459,7 @@
       </p:grpSpPr>
       <p:sp>
         <p:nvSpPr>
-          <p:cNvPr id="2" name="Title 1"/>
+          <p:cNvPr id="2" name="Title 1" title=""/>
           <p:cNvSpPr>
             <a:spLocks noGrp="1"/>
           </p:cNvSpPr>
@@ -1482,7 +1482,7 @@
       </p:sp>
       <p:sp>
         <p:nvSpPr>
-          <p:cNvPr id="3" name="Text Placeholder 2"/>
+          <p:cNvPr id="3" name="Text Placeholder 2" title=""/>
           <p:cNvSpPr>
             <a:spLocks noGrp="1"/>
           </p:cNvSpPr>
@@ -1541,7 +1541,7 @@
       </p:sp>
       <p:sp>
         <p:nvSpPr>
-          <p:cNvPr id="4" name="Content Placeholder 3"/>
+          <p:cNvPr id="4" name="Content Placeholder 3" title=""/>
           <p:cNvSpPr>
             <a:spLocks noGrp="1"/>
           </p:cNvSpPr>
@@ -1620,7 +1620,7 @@
       </p:sp>
       <p:sp>
         <p:nvSpPr>
-          <p:cNvPr id="5" name="Text Placeholder 4"/>
+          <p:cNvPr id="5" name="Text Placeholder 4" title=""/>
           <p:cNvSpPr>
             <a:spLocks noGrp="1"/>
           </p:cNvSpPr>
@@ -1679,7 +1679,7 @@
       </p:sp>
       <p:sp>
         <p:nvSpPr>
-          <p:cNvPr id="6" name="Content Placeholder 5"/>
+          <p:cNvPr id="6" name="Content Placeholder 5" title=""/>
           <p:cNvSpPr>
             <a:spLocks noGrp="1"/>
           </p:cNvSpPr>
@@ -1758,7 +1758,7 @@
       </p:sp>
       <p:sp>
         <p:nvSpPr>
-          <p:cNvPr id="7" name="Date Placeholder 6"/>
+          <p:cNvPr id="7" name="Date Placeholder 6" title=""/>
           <p:cNvSpPr>
             <a:spLocks noGrp="1"/>
           </p:cNvSpPr>
@@ -1771,7 +1771,7 @@
           <a:bodyPr/>
           <a:lstStyle/>
           <a:p>
-            <a:fld id="{60941571-3B24-41FA-93CC-6902A0C685BB}" type="datetimeFigureOut">
+            <a:fld id="{0C411971-E287-4AFC-AFC3-85679D67825F}" type="datetimeFigureOut">
               <a:rPr lang="en-US" smtClean="0"/>
               <a:t>11/7/2009</a:t>
             </a:fld>
@@ -1781,7 +1781,7 @@
       </p:sp>
       <p:sp>
         <p:nvSpPr>
-          <p:cNvPr id="8" name="Footer Placeholder 7"/>
+          <p:cNvPr id="8" name="Footer Placeholder 7" title=""/>
           <p:cNvSpPr>
             <a:spLocks noGrp="1"/>
           </p:cNvSpPr>
@@ -1800,7 +1800,7 @@
       </p:sp>
       <p:sp>
         <p:nvSpPr>
-          <p:cNvPr id="9" name="Slide Number Placeholder 8"/>
+          <p:cNvPr id="9" name="Slide Number Placeholder 8" title=""/>
           <p:cNvSpPr>
             <a:spLocks noGrp="1"/>
           </p:cNvSpPr>
@@ -1832,11 +1832,11 @@
 </file>
 
 <file path=ppt/slideLayouts/slideLayout6.xml><?xml version="1.0" encoding="utf-8"?>
-<p:sldLayout xmlns:a="http://schemas.openxmlformats.org/drawingml/2006/main" xmlns:r="http://schemas.openxmlformats.org/officeDocument/2006/relationships" xmlns:p14="http://schemas.microsoft.com/office/powerpoint/2010/main" xmlns:a14="http://schemas.microsoft.com/office/drawing/2010/main" xmlns:p15="http://schemas.microsoft.com/office/powerpoint/2012/main" xmlns:p159="http://schemas.microsoft.com/office/powerpoint/2015/09/main" xmlns:p="http://schemas.openxmlformats.org/presentationml/2006/main" type="titleOnly" preserve="1">
+<p:sldLayout xmlns:a="http://schemas.openxmlformats.org/drawingml/2006/main" xmlns:r="http://schemas.openxmlformats.org/officeDocument/2006/relationships" xmlns:m="http://schemas.openxmlformats.org/officeDocument/2006/math" xmlns:w="http://schemas.openxmlformats.org/wordprocessingml/2006/main" xmlns:wp="http://schemas.openxmlformats.org/drawingml/2006/wordprocessingDrawing" xmlns:a14="http://schemas.microsoft.com/office/drawing/2010/main" xmlns:mc="http://schemas.openxmlformats.org/markup-compatibility/2006" xmlns:p14="http://schemas.microsoft.com/office/powerpoint/2010/main" xmlns:p15="http://schemas.microsoft.com/office/powerpoint/2012/main" xmlns:p159="http://schemas.microsoft.com/office/powerpoint/2015/09/main" xmlns:p="http://schemas.openxmlformats.org/presentationml/2006/main" type="titleOnly" preserve="1">
   <p:cSld name="Title Only">
     <p:spTree>
       <p:nvGrpSpPr>
-        <p:cNvPr id="1" name=""/>
+        <p:cNvPr id="1" name="" title=""/>
         <p:cNvGrpSpPr/>
         <p:nvPr/>
       </p:nvGrpSpPr>
@@ -1848,7 +1848,7 @@
       </p:grpSpPr>
       <p:sp>
         <p:nvSpPr>
-          <p:cNvPr id="2" name="Title 1"/>
+          <p:cNvPr id="2" name="Title 1" title=""/>
           <p:cNvSpPr>
             <a:spLocks noGrp="1"/>
           </p:cNvSpPr>
@@ -1871,7 +1871,7 @@
       </p:sp>
       <p:sp>
         <p:nvSpPr>
-          <p:cNvPr id="3" name="Date Placeholder 2"/>
+          <p:cNvPr id="3" name="Date Placeholder 2" title=""/>
           <p:cNvSpPr>
             <a:spLocks noGrp="1"/>
           </p:cNvSpPr>
@@ -1884,7 +1884,7 @@
           <a:bodyPr/>
           <a:lstStyle/>
           <a:p>
-            <a:fld id="{644351B3-85F2-43F9-B4A4-EFC709FB0884}" type="datetimeFigureOut">
+            <a:fld id="{1B92B914-E214-42CC-B77D-FB2EC14DAC46}" type="datetimeFigureOut">
               <a:rPr lang="en-US" smtClean="0"/>
               <a:t>11/7/2009</a:t>
             </a:fld>
@@ -1894,7 +1894,7 @@
       </p:sp>
       <p:sp>
         <p:nvSpPr>
-          <p:cNvPr id="4" name="Footer Placeholder 3"/>
+          <p:cNvPr id="4" name="Footer Placeholder 3" title=""/>
           <p:cNvSpPr>
             <a:spLocks noGrp="1"/>
           </p:cNvSpPr>
@@ -1913,7 +1913,7 @@
       </p:sp>
       <p:sp>
         <p:nvSpPr>
-          <p:cNvPr id="5" name="Slide Number Placeholder 4"/>
+          <p:cNvPr id="5" name="Slide Number Placeholder 4" title=""/>
           <p:cNvSpPr>
             <a:spLocks noGrp="1"/>
           </p:cNvSpPr>
@@ -1945,11 +1945,11 @@
 </file>
 
 <file path=ppt/slideLayouts/slideLayout7.xml><?xml version="1.0" encoding="utf-8"?>
-<p:sldLayout xmlns:a="http://schemas.openxmlformats.org/drawingml/2006/main" xmlns:r="http://schemas.openxmlformats.org/officeDocument/2006/relationships" xmlns:p14="http://schemas.microsoft.com/office/powerpoint/2010/main" xmlns:a14="http://schemas.microsoft.com/office/drawing/2010/main" xmlns:p15="http://schemas.microsoft.com/office/powerpoint/2012/main" xmlns:p159="http://schemas.microsoft.com/office/powerpoint/2015/09/main" xmlns:p="http://schemas.openxmlformats.org/presentationml/2006/main" type="blank" preserve="1">
+<p:sldLayout xmlns:a="http://schemas.openxmlformats.org/drawingml/2006/main" xmlns:r="http://schemas.openxmlformats.org/officeDocument/2006/relationships" xmlns:m="http://schemas.openxmlformats.org/officeDocument/2006/math" xmlns:w="http://schemas.openxmlformats.org/wordprocessingml/2006/main" xmlns:wp="http://schemas.openxmlformats.org/drawingml/2006/wordprocessingDrawing" xmlns:a14="http://schemas.microsoft.com/office/drawing/2010/main" xmlns:mc="http://schemas.openxmlformats.org/markup-compatibility/2006" xmlns:p14="http://schemas.microsoft.com/office/powerpoint/2010/main" xmlns:p15="http://schemas.microsoft.com/office/powerpoint/2012/main" xmlns:p159="http://schemas.microsoft.com/office/powerpoint/2015/09/main" xmlns:p="http://schemas.openxmlformats.org/presentationml/2006/main" type="blank" preserve="1">
   <p:cSld name="Blank">
     <p:spTree>
       <p:nvGrpSpPr>
-        <p:cNvPr id="1" name=""/>
+        <p:cNvPr id="1" name="" title=""/>
         <p:cNvGrpSpPr/>
         <p:nvPr/>
       </p:nvGrpSpPr>
@@ -1961,7 +1961,7 @@
       </p:grpSpPr>
       <p:sp>
         <p:nvSpPr>
-          <p:cNvPr id="2" name="Date Placeholder 1"/>
+          <p:cNvPr id="2" name="Date Placeholder 1" title=""/>
           <p:cNvSpPr>
             <a:spLocks noGrp="1"/>
           </p:cNvSpPr>
@@ -1974,7 +1974,7 @@
           <a:bodyPr/>
           <a:lstStyle/>
           <a:p>
-            <a:fld id="{BDC6D312-0D13-42DA-A35B-7692C492AF42}" type="datetimeFigureOut">
+            <a:fld id="{F2D56931-7961-4EC5-9450-F00AA27F93A7}" type="datetimeFigureOut">
               <a:rPr lang="en-US" smtClean="0"/>
               <a:t>11/7/2009</a:t>
             </a:fld>
@@ -1984,7 +1984,7 @@
       </p:sp>
       <p:sp>
         <p:nvSpPr>
-          <p:cNvPr id="3" name="Footer Placeholder 2"/>
+          <p:cNvPr id="3" name="Footer Placeholder 2" title=""/>
           <p:cNvSpPr>
             <a:spLocks noGrp="1"/>
           </p:cNvSpPr>
@@ -2003,7 +2003,7 @@
       </p:sp>
       <p:sp>
         <p:nvSpPr>
-          <p:cNvPr id="4" name="Slide Number Placeholder 3"/>
+          <p:cNvPr id="4" name="Slide Number Placeholder 3" title=""/>
           <p:cNvSpPr>
             <a:spLocks noGrp="1"/>
           </p:cNvSpPr>
@@ -2035,11 +2035,11 @@
 </file>
 
 <file path=ppt/slideLayouts/slideLayout8.xml><?xml version="1.0" encoding="utf-8"?>
-<p:sldLayout xmlns:a="http://schemas.openxmlformats.org/drawingml/2006/main" xmlns:r="http://schemas.openxmlformats.org/officeDocument/2006/relationships" xmlns:p14="http://schemas.microsoft.com/office/powerpoint/2010/main" xmlns:a14="http://schemas.microsoft.com/office/drawing/2010/main" xmlns:p15="http://schemas.microsoft.com/office/powerpoint/2012/main" xmlns:p159="http://schemas.microsoft.com/office/powerpoint/2015/09/main" xmlns:p="http://schemas.openxmlformats.org/presentationml/2006/main" type="objTx" preserve="1">
+<p:sldLayout xmlns:a="http://schemas.openxmlformats.org/drawingml/2006/main" xmlns:r="http://schemas.openxmlformats.org/officeDocument/2006/relationships" xmlns:m="http://schemas.openxmlformats.org/officeDocument/2006/math" xmlns:w="http://schemas.openxmlformats.org/wordprocessingml/2006/main" xmlns:wp="http://schemas.openxmlformats.org/drawingml/2006/wordprocessingDrawing" xmlns:a14="http://schemas.microsoft.com/office/drawing/2010/main" xmlns:mc="http://schemas.openxmlformats.org/markup-compatibility/2006" xmlns:p14="http://schemas.microsoft.com/office/powerpoint/2010/main" xmlns:p15="http://schemas.microsoft.com/office/powerpoint/2012/main" xmlns:p159="http://schemas.microsoft.com/office/powerpoint/2015/09/main" xmlns:p="http://schemas.openxmlformats.org/presentationml/2006/main" type="objTx" preserve="1">
   <p:cSld name="Content with Caption">
     <p:spTree>
       <p:nvGrpSpPr>
-        <p:cNvPr id="1" name=""/>
+        <p:cNvPr id="1" name="" title=""/>
         <p:cNvGrpSpPr/>
         <p:nvPr/>
       </p:nvGrpSpPr>
@@ -2051,7 +2051,7 @@
       </p:grpSpPr>
       <p:sp>
         <p:nvSpPr>
-          <p:cNvPr id="2" name="Title 1"/>
+          <p:cNvPr id="2" name="Title 1" title=""/>
           <p:cNvSpPr>
             <a:spLocks noGrp="1"/>
           </p:cNvSpPr>
@@ -2078,7 +2078,7 @@
       </p:sp>
       <p:sp>
         <p:nvSpPr>
-          <p:cNvPr id="3" name="Content Placeholder 2"/>
+          <p:cNvPr id="3" name="Content Placeholder 2" title=""/>
           <p:cNvSpPr>
             <a:spLocks noGrp="1"/>
           </p:cNvSpPr>
@@ -2157,7 +2157,7 @@
       </p:sp>
       <p:sp>
         <p:nvSpPr>
-          <p:cNvPr id="4" name="Text Placeholder 3"/>
+          <p:cNvPr id="4" name="Text Placeholder 3" title=""/>
           <p:cNvSpPr>
             <a:spLocks noGrp="1"/>
           </p:cNvSpPr>
@@ -2216,7 +2216,7 @@
       </p:sp>
       <p:sp>
         <p:nvSpPr>
-          <p:cNvPr id="5" name="Date Placeholder 4"/>
+          <p:cNvPr id="5" name="Date Placeholder 4" title=""/>
           <p:cNvSpPr>
             <a:spLocks noGrp="1"/>
           </p:cNvSpPr>
@@ -2229,7 +2229,7 @@
           <a:bodyPr/>
           <a:lstStyle/>
           <a:p>
-            <a:fld id="{0D488AB0-4DC7-46E0-91C3-FF97165982E4}" type="datetimeFigureOut">
+            <a:fld id="{E43268BB-86CC-4A65-A61E-01A2A18EE883}" type="datetimeFigureOut">
               <a:rPr lang="en-US" smtClean="0"/>
               <a:t>11/7/2009</a:t>
             </a:fld>
@@ -2239,7 +2239,7 @@
       </p:sp>
       <p:sp>
         <p:nvSpPr>
-          <p:cNvPr id="6" name="Footer Placeholder 5"/>
+          <p:cNvPr id="6" name="Footer Placeholder 5" title=""/>
           <p:cNvSpPr>
             <a:spLocks noGrp="1"/>
           </p:cNvSpPr>
@@ -2258,7 +2258,7 @@
       </p:sp>
       <p:sp>
         <p:nvSpPr>
-          <p:cNvPr id="7" name="Slide Number Placeholder 6"/>
+          <p:cNvPr id="7" name="Slide Number Placeholder 6" title=""/>
           <p:cNvSpPr>
             <a:spLocks noGrp="1"/>
           </p:cNvSpPr>
@@ -2290,11 +2290,11 @@
 </file>
 
 <file path=ppt/slideLayouts/slideLayout9.xml><?xml version="1.0" encoding="utf-8"?>
-<p:sldLayout xmlns:a="http://schemas.openxmlformats.org/drawingml/2006/main" xmlns:r="http://schemas.openxmlformats.org/officeDocument/2006/relationships" xmlns:p14="http://schemas.microsoft.com/office/powerpoint/2010/main" xmlns:a14="http://schemas.microsoft.com/office/drawing/2010/main" xmlns:p15="http://schemas.microsoft.com/office/powerpoint/2012/main" xmlns:p159="http://schemas.microsoft.com/office/powerpoint/2015/09/main" xmlns:p="http://schemas.openxmlformats.org/presentationml/2006/main" type="picTx" preserve="1">
+<p:sldLayout xmlns:a="http://schemas.openxmlformats.org/drawingml/2006/main" xmlns:r="http://schemas.openxmlformats.org/officeDocument/2006/relationships" xmlns:m="http://schemas.openxmlformats.org/officeDocument/2006/math" xmlns:w="http://schemas.openxmlformats.org/wordprocessingml/2006/main" xmlns:wp="http://schemas.openxmlformats.org/drawingml/2006/wordprocessingDrawing" xmlns:a14="http://schemas.microsoft.com/office/drawing/2010/main" xmlns:mc="http://schemas.openxmlformats.org/markup-compatibility/2006" xmlns:p14="http://schemas.microsoft.com/office/powerpoint/2010/main" xmlns:p15="http://schemas.microsoft.com/office/powerpoint/2012/main" xmlns:p159="http://schemas.microsoft.com/office/powerpoint/2015/09/main" xmlns:p="http://schemas.openxmlformats.org/presentationml/2006/main" type="picTx" preserve="1">
   <p:cSld name="Picture with Caption">
     <p:spTree>
       <p:nvGrpSpPr>
-        <p:cNvPr id="1" name=""/>
+        <p:cNvPr id="1" name="" title=""/>
         <p:cNvGrpSpPr/>
         <p:nvPr/>
       </p:nvGrpSpPr>
@@ -2306,7 +2306,7 @@
       </p:grpSpPr>
       <p:sp>
         <p:nvSpPr>
-          <p:cNvPr id="2" name="Title 1"/>
+          <p:cNvPr id="2" name="Title 1" title=""/>
           <p:cNvSpPr>
             <a:spLocks noGrp="1"/>
           </p:cNvSpPr>
@@ -2333,7 +2333,7 @@
       </p:sp>
       <p:sp>
         <p:nvSpPr>
-          <p:cNvPr id="3" name="Picture Placeholder 2"/>
+          <p:cNvPr id="3" name="Picture Placeholder 2" title=""/>
           <p:cNvSpPr>
             <a:spLocks noGrp="1"/>
           </p:cNvSpPr>
@@ -2389,7 +2389,7 @@
       </p:sp>
       <p:sp>
         <p:nvSpPr>
-          <p:cNvPr id="4" name="Text Placeholder 3"/>
+          <p:cNvPr id="4" name="Text Placeholder 3" title=""/>
           <p:cNvSpPr>
             <a:spLocks noGrp="1"/>
           </p:cNvSpPr>
@@ -2448,7 +2448,7 @@
       </p:sp>
       <p:sp>
         <p:nvSpPr>
-          <p:cNvPr id="5" name="Date Placeholder 4"/>
+          <p:cNvPr id="5" name="Date Placeholder 4" title=""/>
           <p:cNvSpPr>
             <a:spLocks noGrp="1"/>
           </p:cNvSpPr>
@@ -2461,7 +2461,7 @@
           <a:bodyPr/>
           <a:lstStyle/>
           <a:p>
-            <a:fld id="{9A4C3133-AE1E-4F3E-9F55-E166A0C531E0}" type="datetimeFigureOut">
+            <a:fld id="{5B4E4174-BB43-4790-9710-1EB4123C23D9}" type="datetimeFigureOut">
               <a:rPr lang="en-US" smtClean="0"/>
               <a:t>11/7/2009</a:t>
             </a:fld>
@@ -2471,7 +2471,7 @@
       </p:sp>
       <p:sp>
         <p:nvSpPr>
-          <p:cNvPr id="6" name="Footer Placeholder 5"/>
+          <p:cNvPr id="6" name="Footer Placeholder 5" title=""/>
           <p:cNvSpPr>
             <a:spLocks noGrp="1"/>
           </p:cNvSpPr>
@@ -2490,7 +2490,7 @@
       </p:sp>
       <p:sp>
         <p:nvSpPr>
-          <p:cNvPr id="7" name="Slide Number Placeholder 6"/>
+          <p:cNvPr id="7" name="Slide Number Placeholder 6" title=""/>
           <p:cNvSpPr>
             <a:spLocks noGrp="1"/>
           </p:cNvSpPr>
@@ -2522,7 +2522,7 @@
 </file>
 
 <file path=ppt/slideMasters/slideMaster1.xml><?xml version="1.0" encoding="utf-8"?>
-<p:sldMaster xmlns:a="http://schemas.openxmlformats.org/drawingml/2006/main" xmlns:r="http://schemas.openxmlformats.org/officeDocument/2006/relationships" xmlns:p14="http://schemas.microsoft.com/office/powerpoint/2010/main" xmlns:a14="http://schemas.microsoft.com/office/drawing/2010/main" xmlns:p15="http://schemas.microsoft.com/office/powerpoint/2012/main" xmlns:p159="http://schemas.microsoft.com/office/powerpoint/2015/09/main" xmlns:p="http://schemas.openxmlformats.org/presentationml/2006/main">
+<p:sldMaster xmlns:a="http://schemas.openxmlformats.org/drawingml/2006/main" xmlns:r="http://schemas.openxmlformats.org/officeDocument/2006/relationships" xmlns:m="http://schemas.openxmlformats.org/officeDocument/2006/math" xmlns:w="http://schemas.openxmlformats.org/wordprocessingml/2006/main" xmlns:wp="http://schemas.openxmlformats.org/drawingml/2006/wordprocessingDrawing" xmlns:a14="http://schemas.microsoft.com/office/drawing/2010/main" xmlns:mc="http://schemas.openxmlformats.org/markup-compatibility/2006" xmlns:p14="http://schemas.microsoft.com/office/powerpoint/2010/main" xmlns:p15="http://schemas.microsoft.com/office/powerpoint/2012/main" xmlns:p159="http://schemas.microsoft.com/office/powerpoint/2015/09/main" xmlns:p="http://schemas.openxmlformats.org/presentationml/2006/main">
   <p:cSld>
     <p:bg>
       <p:bgRef idx="1001">
@@ -2531,7 +2531,7 @@
     </p:bg>
     <p:spTree>
       <p:nvGrpSpPr>
-        <p:cNvPr id="1" name=""/>
+        <p:cNvPr id="1" name="" title=""/>
         <p:cNvGrpSpPr/>
         <p:nvPr/>
       </p:nvGrpSpPr>
@@ -2543,7 +2543,7 @@
       </p:grpSpPr>
       <p:sp>
         <p:nvSpPr>
-          <p:cNvPr id="2" name="Title Placeholder 1"/>
+          <p:cNvPr id="2" name="Title Placeholder 1" title=""/>
           <p:cNvSpPr>
             <a:spLocks noGrp="1"/>
           </p:cNvSpPr>
@@ -2576,7 +2576,7 @@
       </p:sp>
       <p:sp>
         <p:nvSpPr>
-          <p:cNvPr id="3" name="Text Placeholder 2"/>
+          <p:cNvPr id="3" name="Text Placeholder 2" title=""/>
           <p:cNvSpPr>
             <a:spLocks noGrp="1"/>
           </p:cNvSpPr>
@@ -2637,7 +2637,7 @@
       </p:sp>
       <p:sp>
         <p:nvSpPr>
-          <p:cNvPr id="4" name="Date Placeholder 3"/>
+          <p:cNvPr id="4" name="Date Placeholder 3" title=""/>
           <p:cNvSpPr>
             <a:spLocks noGrp="1"/>
           </p:cNvSpPr>
@@ -2678,7 +2678,7 @@
       </p:sp>
       <p:sp>
         <p:nvSpPr>
-          <p:cNvPr id="5" name="Footer Placeholder 4"/>
+          <p:cNvPr id="5" name="Footer Placeholder 4" title=""/>
           <p:cNvSpPr>
             <a:spLocks noGrp="1"/>
           </p:cNvSpPr>
@@ -2715,7 +2715,7 @@
       </p:sp>
       <p:sp>
         <p:nvSpPr>
-          <p:cNvPr id="6" name="Slide Number Placeholder 5"/>
+          <p:cNvPr id="6" name="Slide Number Placeholder 5" title=""/>
           <p:cNvSpPr>
             <a:spLocks noGrp="1"/>
           </p:cNvSpPr>
@@ -3026,11 +3026,11 @@
 </file>
 
 <file path=ppt/slides/slide1.xml><?xml version="1.0" encoding="utf-8"?>
-<p:sld xmlns:a="http://schemas.openxmlformats.org/drawingml/2006/main" xmlns:r="http://schemas.openxmlformats.org/officeDocument/2006/relationships" xmlns:p14="http://schemas.microsoft.com/office/powerpoint/2010/main" xmlns:a14="http://schemas.microsoft.com/office/drawing/2010/main" xmlns:p15="http://schemas.microsoft.com/office/powerpoint/2012/main" xmlns:p159="http://schemas.microsoft.com/office/powerpoint/2015/09/main" xmlns:p="http://schemas.openxmlformats.org/presentationml/2006/main">
+<p:sld xmlns:a="http://schemas.openxmlformats.org/drawingml/2006/main" xmlns:r="http://schemas.openxmlformats.org/officeDocument/2006/relationships" xmlns:m="http://schemas.openxmlformats.org/officeDocument/2006/math" xmlns:w="http://schemas.openxmlformats.org/wordprocessingml/2006/main" xmlns:wp="http://schemas.openxmlformats.org/drawingml/2006/wordprocessingDrawing" xmlns:a14="http://schemas.microsoft.com/office/drawing/2010/main" xmlns:mc="http://schemas.openxmlformats.org/markup-compatibility/2006" xmlns:p14="http://schemas.microsoft.com/office/powerpoint/2010/main" xmlns:p15="http://schemas.microsoft.com/office/powerpoint/2012/main" xmlns:p159="http://schemas.microsoft.com/office/powerpoint/2015/09/main" xmlns:p="http://schemas.openxmlformats.org/presentationml/2006/main">
   <p:cSld name="">
     <p:spTree>
       <p:nvGrpSpPr>
-        <p:cNvPr id="1" name=""/>
+        <p:cNvPr id="1" name="" title=""/>
         <p:cNvGrpSpPr/>
         <p:nvPr/>
       </p:nvGrpSpPr>
@@ -3042,7 +3042,7 @@
       </p:grpSpPr>
       <p:graphicFrame>
         <p:nvGraphicFramePr>
-          <p:cNvPr id="2" name="ChartObject"/>
+          <p:cNvPr id="2" name="ChartObject" title=""/>
           <p:cNvGraphicFramePr/>
           <p:nvPr/>
         </p:nvGraphicFramePr>
@@ -3056,6 +3056,77 @@
           </a:graphicData>
         </a:graphic>
       </p:graphicFrame>
+      <p:sp>
+        <p:nvSpPr>
+          <p:cNvPr id="3" name="TextBox"/>
+          <p:cNvSpPr txBox="1">
+            <a:spLocks noGrp="1" noSelect="1" noRot="1" noMove="1"/>
+          </p:cNvSpPr>
+          <p:nvPr/>
+        </p:nvSpPr>
+        <p:spPr>
+          <a:xfrm>
+            <a:off x="1366520" y="2644140"/>
+            <a:ext cx="6411372" cy="1569660"/>
+          </a:xfrm>
+          <a:prstGeom prst="rect">
+            <a:avLst/>
+          </a:prstGeom>
+          <a:noFill/>
+        </p:spPr>
+        <p:txBody>
+          <a:bodyPr wrap="none" rtlCol="0" anchor="ctr" anchorCtr="1">
+            <a:spAutoFit/>
+          </a:bodyPr>
+          <a:lstStyle>
+            <a:lvl1pPr algn="l">
+              <a:lnSpc>
+                <a:spcPct val="150000"/>
+              </a:lnSpc>
+              <a:spcBef>
+                <a:spcPct val="0"/>
+              </a:spcBef>
+              <a:spcAft>
+                <a:spcPct val="0"/>
+              </a:spcAft>
+              <a:defRPr lang="en-US" sz="3200" b="1" noProof="1" dirty="0">
+                <a:solidFill>
+                  <a:prstClr val="red">
+                    <a:lumOff val="30000"/>
+                    <a:alpha val="40000"/>
+                  </a:prstClr>
+                </a:solidFill>
+                <a:effectLst>
+                  <a:outerShdw blurRad="50800" dist="38100" algn="tr" rotWithShape="0">
+                    <a:prstClr val="black">
+                      <a:alpha val="80000"/>
+                    </a:prstClr>
+                  </a:outerShdw>
+                </a:effectLst>
+                <a:latin typeface="Calibri" pitchFamily="34" charset="0"/>
+              </a:defRPr>
+            </a:lvl1pPr>
+          </a:lstStyle>
+          <a:p>
+            <a:pPr algn="ctr"/>
+            <a:r>
+              <a:t>Evaluation only.</a:t>
+            </a:r>
+          </a:p>
+          <a:p>
+            <a:pPr algn="ctr"/>
+            <a:r>
+              <a:t>Created with Aspose.Slides for .NET 4.0 Client Profile 21.12.</a:t>
+            </a:r>
+          </a:p>
+          <a:p>
+            <a:pPr algn="ctr"/>
+            <a:r>
+              <a:t>Copyright 2004-2021Aspose Pty Ltd.</a:t>
+            </a:r>
+          </a:p>
+        </p:txBody>
+      </p:sp>
     </p:spTree>
   </p:cSld>
   <p:clrMapOvr>
@@ -3069,10 +3140,10 @@
 <file path=ppt/tags/tag1.xml><?xml version="1.0" encoding="utf-8"?>
 <p:tagLst xmlns:p="http://schemas.openxmlformats.org/presentationml/2006/main">
   <p:tag name="AS_NET" val="4.0.30319.42000"/>
-  <p:tag name="AS_OS" val="Microsoft Windows NT 6.2.9200.0"/>
-  <p:tag name="AS_RELEASE_DATE" val="2019.06.14"/>
+  <p:tag name="AS_OS" val="Microsoft Windows NT 6.3.9600.0"/>
+  <p:tag name="AS_RELEASE_DATE" val="2021.12.14"/>
   <p:tag name="AS_TITLE" val="Aspose.Slides for .NET 4.0 Client Profile"/>
-  <p:tag name="AS_VERSION" val="19.6"/>
+  <p:tag name="AS_VERSION" val="21.12"/>
 </p:tagLst>
 </file>
 
